--- a/PPT/PPT-Presentation.pptx
+++ b/PPT/PPT-Presentation.pptx
@@ -204,7 +204,7 @@
           <a:p>
             <a:fld id="{02DB2513-EE81-3949-8648-A8B18049EE33}" type="datetimeFigureOut">
               <a:rPr lang="en-US" smtClean="0"/>
-              <a:t>5/6/20</a:t>
+              <a:t>5/7/20</a:t>
             </a:fld>
             <a:endParaRPr lang="en-US"/>
           </a:p>
@@ -1419,7 +1419,7 @@
           <a:p>
             <a:fld id="{ED291B17-9318-49DB-B28B-6E5994AE9581}" type="datetime1">
               <a:rPr lang="en-US" smtClean="0"/>
-              <a:t>5/6/20</a:t>
+              <a:t>5/7/20</a:t>
             </a:fld>
             <a:endParaRPr lang="en-US" dirty="0"/>
           </a:p>
@@ -1622,7 +1622,7 @@
           <a:p>
             <a:fld id="{2CED4963-E985-44C4-B8C4-FDD613B7C2F8}" type="datetime1">
               <a:rPr lang="en-US" smtClean="0"/>
-              <a:t>5/6/20</a:t>
+              <a:t>5/7/20</a:t>
             </a:fld>
             <a:endParaRPr lang="en-US" dirty="0"/>
           </a:p>
@@ -1984,7 +1984,7 @@
           <a:p>
             <a:fld id="{ED291B17-9318-49DB-B28B-6E5994AE9581}" type="datetime1">
               <a:rPr lang="en-US" smtClean="0"/>
-              <a:t>5/6/20</a:t>
+              <a:t>5/7/20</a:t>
             </a:fld>
             <a:endParaRPr lang="en-US" dirty="0"/>
           </a:p>
@@ -2182,7 +2182,7 @@
           <a:p>
             <a:fld id="{78DD82B9-B8EE-4375-B6FF-88FA6ABB15D9}" type="datetime1">
               <a:rPr lang="en-US" smtClean="0"/>
-              <a:t>5/6/20</a:t>
+              <a:t>5/7/20</a:t>
             </a:fld>
             <a:endParaRPr lang="en-US" dirty="0"/>
           </a:p>
@@ -2494,7 +2494,7 @@
           <a:p>
             <a:fld id="{B2497495-0637-405E-AE64-5CC7506D51F5}" type="datetime1">
               <a:rPr lang="en-US" smtClean="0"/>
-              <a:t>5/6/20</a:t>
+              <a:t>5/7/20</a:t>
             </a:fld>
             <a:endParaRPr lang="en-US" dirty="0"/>
           </a:p>
@@ -2747,7 +2747,7 @@
           <a:p>
             <a:fld id="{7BFFD690-9426-415D-8B65-26881E07B2D4}" type="datetime1">
               <a:rPr lang="en-US" smtClean="0"/>
-              <a:t>5/6/20</a:t>
+              <a:t>5/7/20</a:t>
             </a:fld>
             <a:endParaRPr lang="en-US" dirty="0"/>
           </a:p>
@@ -3169,7 +3169,7 @@
           <a:p>
             <a:fld id="{04C4989A-474C-40DE-95B9-011C28B71673}" type="datetime1">
               <a:rPr lang="en-US" smtClean="0"/>
-              <a:t>5/6/20</a:t>
+              <a:t>5/7/20</a:t>
             </a:fld>
             <a:endParaRPr lang="en-US" dirty="0"/>
           </a:p>
@@ -3292,7 +3292,7 @@
           <a:p>
             <a:fld id="{5DB4ED54-5B5E-4A04-93D3-5772E3CE3818}" type="datetime1">
               <a:rPr lang="en-US" smtClean="0"/>
-              <a:t>5/6/20</a:t>
+              <a:t>5/7/20</a:t>
             </a:fld>
             <a:endParaRPr lang="en-US" dirty="0"/>
           </a:p>
@@ -3387,7 +3387,7 @@
           <a:p>
             <a:fld id="{4EDE50D6-574B-40AF-946F-D52A04ADE379}" type="datetime1">
               <a:rPr lang="en-US" smtClean="0"/>
-              <a:t>5/6/20</a:t>
+              <a:t>5/7/20</a:t>
             </a:fld>
             <a:endParaRPr lang="en-US" dirty="0"/>
           </a:p>
@@ -3764,7 +3764,7 @@
           <a:p>
             <a:fld id="{D82884F1-FFEA-405F-9602-3DCA865EDA4E}" type="datetime1">
               <a:rPr lang="en-US" smtClean="0"/>
-              <a:t>5/6/20</a:t>
+              <a:t>5/7/20</a:t>
             </a:fld>
             <a:endParaRPr lang="en-US" dirty="0"/>
           </a:p>
@@ -4057,7 +4057,7 @@
           <a:p>
             <a:fld id="{7E18DB4A-8810-4A10-AD5C-D5E2C667F5B3}" type="datetime1">
               <a:rPr lang="en-US" smtClean="0"/>
-              <a:t>5/6/20</a:t>
+              <a:t>5/7/20</a:t>
             </a:fld>
             <a:endParaRPr lang="en-US" dirty="0"/>
           </a:p>
@@ -4272,7 +4272,7 @@
           <a:p>
             <a:fld id="{ED291B17-9318-49DB-B28B-6E5994AE9581}" type="datetime1">
               <a:rPr lang="en-US" smtClean="0"/>
-              <a:t>5/6/20</a:t>
+              <a:t>5/7/20</a:t>
             </a:fld>
             <a:endParaRPr lang="en-US" dirty="0"/>
           </a:p>
@@ -5417,14 +5417,26 @@
           </a:p>
           <a:p>
             <a:r>
+              <a:rPr lang="en-US" b="1" dirty="0"/>
+              <a:t>SQL EXPRESS </a:t>
+            </a:r>
+            <a:r>
               <a:rPr lang="en-US" dirty="0"/>
-              <a:t>SQL EXPRESS – Provides a succinct way to query such data seamlessly </a:t>
+              <a:t>– Provides a succinct way to query such data seamlessly </a:t>
             </a:r>
           </a:p>
           <a:p>
             <a:r>
               <a:rPr lang="en-US" dirty="0"/>
-              <a:t>Unlike the traditional query optimizers, SQL EXPRESS considers the “BIGGER PICTURE”</a:t>
+              <a:t>Unlike the traditional query optimizers</a:t>
+            </a:r>
+            <a:r>
+              <a:rPr lang="en-US" b="1" dirty="0"/>
+              <a:t>, SQL EXPRESS </a:t>
+            </a:r>
+            <a:r>
+              <a:rPr lang="en-US" dirty="0"/>
+              <a:t>considers the “BIGGER PICTURE”</a:t>
             </a:r>
           </a:p>
         </p:txBody>
